--- a/health_bro_design.pptx
+++ b/health_bro_design.pptx
@@ -105,6 +105,11 @@
       </a:defRPr>
     </a:lvl9pPr>
   </p:defaultTextStyle>
+  <p:extLst>
+    <p:ext uri="{EFAFB233-063F-42B5-8137-9DF3F51BA10A}">
+      <p15:sldGuideLst xmlns:p15="http://schemas.microsoft.com/office/powerpoint/2012/main"/>
+    </p:ext>
+  </p:extLst>
 </p:presentation>
 </file>
 
@@ -3539,52 +3544,6 @@
       </p:sp>
       <p:sp>
         <p:nvSpPr>
-          <p:cNvPr id="7" name="Oval 6">
-            <a:extLst>
-              <a:ext uri="{FF2B5EF4-FFF2-40B4-BE49-F238E27FC236}">
-                <a16:creationId xmlns:a16="http://schemas.microsoft.com/office/drawing/2014/main" id="{0334D234-9FE8-F144-8C32-5C7C9D9F2903}"/>
-              </a:ext>
-            </a:extLst>
-          </p:cNvPr>
-          <p:cNvSpPr/>
-          <p:nvPr/>
-        </p:nvSpPr>
-        <p:spPr>
-          <a:xfrm>
-            <a:off x="4199138" y="1748901"/>
-            <a:ext cx="3622089" cy="3187083"/>
-          </a:xfrm>
-          <a:prstGeom prst="ellipse">
-            <a:avLst/>
-          </a:prstGeom>
-        </p:spPr>
-        <p:style>
-          <a:lnRef idx="2">
-            <a:schemeClr val="accent1">
-              <a:shade val="50000"/>
-            </a:schemeClr>
-          </a:lnRef>
-          <a:fillRef idx="1">
-            <a:schemeClr val="accent1"/>
-          </a:fillRef>
-          <a:effectRef idx="0">
-            <a:schemeClr val="accent1"/>
-          </a:effectRef>
-          <a:fontRef idx="minor">
-            <a:schemeClr val="lt1"/>
-          </a:fontRef>
-        </p:style>
-        <p:txBody>
-          <a:bodyPr rtlCol="0" anchor="ctr"/>
-          <a:lstStyle/>
-          <a:p>
-            <a:pPr algn="ctr"/>
-            <a:endParaRPr lang="de-DE"/>
-          </a:p>
-        </p:txBody>
-      </p:sp>
-      <p:sp>
-        <p:nvSpPr>
           <p:cNvPr id="8" name="Ovale Legende 7">
             <a:extLst>
               <a:ext uri="{FF2B5EF4-FFF2-40B4-BE49-F238E27FC236}">
@@ -3817,7 +3776,7 @@
             <a:avLst/>
           </a:prstGeom>
           <a:solidFill>
-            <a:schemeClr val="bg1"/>
+            <a:srgbClr val="D8F4CA"/>
           </a:solidFill>
         </p:spPr>
         <p:style>
